--- a/IT002-OOP/Slide lý thuyết/Inherit.pptx
+++ b/IT002-OOP/Slide lý thuyết/Inherit.pptx
@@ -211,7 +211,7 @@
           </a:lstStyle>
           <a:p>
             <a:fld id="{77F5E20D-330D-AE4A-A6A6-1850AD2ED2D6}" type="datetimeFigureOut">
-              <a:t>12/10/25</a:t>
+              <a:t>14/10/25</a:t>
             </a:fld>
             <a:endParaRPr lang="en-VN"/>
           </a:p>
@@ -1542,7 +1542,7 @@
           <a:lstStyle/>
           <a:p>
             <a:fld id="{B19CC23C-BA29-DE42-B018-0A671B23AB5C}" type="datetime1">
-              <a:t>12/10/25</a:t>
+              <a:t>14/10/25</a:t>
             </a:fld>
             <a:endParaRPr lang="en-VN"/>
           </a:p>
@@ -1740,7 +1740,7 @@
           <a:lstStyle/>
           <a:p>
             <a:fld id="{4C98E9E1-1963-2549-A392-0CE442C818D3}" type="datetime1">
-              <a:t>12/10/25</a:t>
+              <a:t>17/10/25</a:t>
             </a:fld>
             <a:endParaRPr lang="en-VN"/>
           </a:p>
@@ -1948,7 +1948,7 @@
           <a:lstStyle/>
           <a:p>
             <a:fld id="{C7AFA920-85BE-4747-816A-47AD76A510FA}" type="datetime1">
-              <a:t>12/10/25</a:t>
+              <a:t>17/10/25</a:t>
             </a:fld>
             <a:endParaRPr lang="en-VN"/>
           </a:p>
@@ -2146,7 +2146,7 @@
           <a:lstStyle/>
           <a:p>
             <a:fld id="{AAD3D96D-7531-BC47-A011-B5D6B3D43310}" type="datetime1">
-              <a:t>12/10/25</a:t>
+              <a:t>14/10/25</a:t>
             </a:fld>
             <a:endParaRPr lang="en-VN"/>
           </a:p>
@@ -2456,7 +2456,7 @@
           <a:lstStyle/>
           <a:p>
             <a:fld id="{9099FF25-CCF5-1749-B789-DEA9DF3915D1}" type="datetime1">
-              <a:t>12/10/25</a:t>
+              <a:t>17/10/25</a:t>
             </a:fld>
             <a:endParaRPr lang="en-VN"/>
           </a:p>
@@ -2722,7 +2722,7 @@
           <a:lstStyle/>
           <a:p>
             <a:fld id="{96C9BD3F-C60C-8F40-A1AA-746E79F526C8}" type="datetime1">
-              <a:t>12/10/25</a:t>
+              <a:t>17/10/25</a:t>
             </a:fld>
             <a:endParaRPr lang="en-VN"/>
           </a:p>
@@ -3135,7 +3135,7 @@
           <a:lstStyle/>
           <a:p>
             <a:fld id="{A8563D55-6338-8241-BEA3-C8267015B326}" type="datetime1">
-              <a:t>12/10/25</a:t>
+              <a:t>17/10/25</a:t>
             </a:fld>
             <a:endParaRPr lang="en-VN"/>
           </a:p>
@@ -3275,7 +3275,7 @@
           <a:lstStyle/>
           <a:p>
             <a:fld id="{89782EF4-4D34-8E49-9BB8-7FCD8F64F56C}" type="datetime1">
-              <a:t>12/10/25</a:t>
+              <a:t>17/10/25</a:t>
             </a:fld>
             <a:endParaRPr lang="en-VN"/>
           </a:p>
@@ -3386,7 +3386,7 @@
           <a:lstStyle/>
           <a:p>
             <a:fld id="{8A835D4F-1253-B847-8798-F89DBC53ECA3}" type="datetime1">
-              <a:t>12/10/25</a:t>
+              <a:t>17/10/25</a:t>
             </a:fld>
             <a:endParaRPr lang="en-VN"/>
           </a:p>
@@ -3697,7 +3697,7 @@
           <a:lstStyle/>
           <a:p>
             <a:fld id="{7B60E56D-C72A-354F-B0FC-65EC27F745C6}" type="datetime1">
-              <a:t>12/10/25</a:t>
+              <a:t>17/10/25</a:t>
             </a:fld>
             <a:endParaRPr lang="en-VN"/>
           </a:p>
@@ -3984,7 +3984,7 @@
           <a:lstStyle/>
           <a:p>
             <a:fld id="{D4EEE616-05B3-E949-A580-BAD4E917BCA4}" type="datetime1">
-              <a:t>12/10/25</a:t>
+              <a:t>17/10/25</a:t>
             </a:fld>
             <a:endParaRPr lang="en-VN"/>
           </a:p>
@@ -4225,7 +4225,7 @@
           </a:lstStyle>
           <a:p>
             <a:fld id="{D2508FC7-06EA-184C-B437-1FD4117B159D}" type="datetime1">
-              <a:t>12/10/25</a:t>
+              <a:t>14/10/25</a:t>
             </a:fld>
             <a:endParaRPr lang="en-VN"/>
           </a:p>
@@ -5748,7 +5748,7 @@
             <p:spPr>
               <a:xfrm>
                 <a:off x="5409345" y="734658"/>
-                <a:ext cx="6794545" cy="4832092"/>
+                <a:ext cx="6794545" cy="5262979"/>
               </a:xfrm>
               <a:prstGeom prst="rect">
                 <a:avLst/>
@@ -5809,13 +5809,19 @@
                       </m:r>
                     </m:oMath>
                   </m:oMathPara>
+                </a14:m>
+                <a:endParaRPr lang="en-VN" sz="2800"/>
+              </a:p>
+              <a:p>
+                <a:pPr/>
+                <a14:m>
                   <m:oMathPara xmlns:m="http://schemas.openxmlformats.org/officeDocument/2006/math">
                     <m:oMathParaPr>
                       <m:jc m:val="left"/>
                     </m:oMathParaPr>
                     <m:oMath xmlns:m="http://schemas.openxmlformats.org/officeDocument/2006/math">
                       <m:r>
-                        <a:rPr lang="en-VN" sz="2800" i="1">
+                        <a:rPr lang="vi-VN" sz="2800" b="0" i="1">
                           <a:latin typeface="Cambria Math" panose="02040503050406030204" pitchFamily="18" charset="0"/>
                         </a:rPr>
                         <m:t>      </m:t>
@@ -5858,13 +5864,19 @@
                       </m:r>
                     </m:oMath>
                   </m:oMathPara>
+                </a14:m>
+                <a:endParaRPr lang="en-VN" sz="2800"/>
+              </a:p>
+              <a:p>
+                <a:pPr/>
+                <a14:m>
                   <m:oMathPara xmlns:m="http://schemas.openxmlformats.org/officeDocument/2006/math">
                     <m:oMathParaPr>
                       <m:jc m:val="left"/>
                     </m:oMathParaPr>
                     <m:oMath xmlns:m="http://schemas.openxmlformats.org/officeDocument/2006/math">
                       <m:r>
-                        <a:rPr lang="en-VN" sz="2800" i="1">
+                        <a:rPr lang="vi-VN" sz="2800" b="1" i="1">
                           <a:latin typeface="Cambria Math" panose="02040503050406030204" pitchFamily="18" charset="0"/>
                         </a:rPr>
                         <m:t>      </m:t>
@@ -5895,13 +5907,19 @@
                       </m:r>
                     </m:oMath>
                   </m:oMathPara>
+                </a14:m>
+                <a:endParaRPr lang="en-VN" sz="2800"/>
+              </a:p>
+              <a:p>
+                <a:pPr/>
+                <a14:m>
                   <m:oMathPara xmlns:m="http://schemas.openxmlformats.org/officeDocument/2006/math">
                     <m:oMathParaPr>
                       <m:jc m:val="left"/>
                     </m:oMathParaPr>
                     <m:oMath xmlns:m="http://schemas.openxmlformats.org/officeDocument/2006/math">
                       <m:r>
-                        <a:rPr lang="en-VN" sz="2800" i="1">
+                        <a:rPr lang="vi-VN" sz="2800" b="0" i="1">
                           <a:latin typeface="Cambria Math" panose="02040503050406030204" pitchFamily="18" charset="0"/>
                         </a:rPr>
                         <m:t>      </m:t>
@@ -5912,14 +5930,37 @@
                         </a:rPr>
                         <m:t>𝑔𝑒𝑡𝐼𝑛𝑠𝑡𝑎𝑛𝑐𝑒</m:t>
                       </m:r>
+                      <m:d>
+                        <m:dPr>
+                          <m:ctrlPr>
+                            <a:rPr lang="en-VN" sz="2800" i="1">
+                              <a:latin typeface="Cambria Math" panose="02040503050406030204" pitchFamily="18" charset="0"/>
+                            </a:rPr>
+                          </m:ctrlPr>
+                        </m:dPr>
+                        <m:e>
+                          <m:r>
+                            <a:rPr lang="en-VN" sz="2800" i="1">
+                              <a:latin typeface="Cambria Math" panose="02040503050406030204" pitchFamily="18" charset="0"/>
+                            </a:rPr>
+                            <m:t>…</m:t>
+                          </m:r>
+                        </m:e>
+                      </m:d>
                       <m:r>
                         <a:rPr lang="en-VN" sz="2800" i="1">
                           <a:latin typeface="Cambria Math" panose="02040503050406030204" pitchFamily="18" charset="0"/>
                         </a:rPr>
-                        <m:t>(…):</m:t>
+                        <m:t>:</m:t>
                       </m:r>
                     </m:oMath>
                   </m:oMathPara>
+                </a14:m>
+                <a:endParaRPr lang="en-VN" sz="2800"/>
+              </a:p>
+              <a:p>
+                <a:pPr/>
+                <a14:m>
                   <m:oMathPara xmlns:m="http://schemas.openxmlformats.org/officeDocument/2006/math">
                     <m:oMathParaPr>
                       <m:jc m:val="left"/>
@@ -5927,6 +5968,12 @@
                     <m:oMath xmlns:m="http://schemas.openxmlformats.org/officeDocument/2006/math">
                       <m:r>
                         <a:rPr lang="en-VN" sz="2800" i="1">
+                          <a:latin typeface="Cambria Math" panose="02040503050406030204" pitchFamily="18" charset="0"/>
+                        </a:rPr>
+                        <m:t> </m:t>
+                      </m:r>
+                      <m:r>
+                        <a:rPr lang="vi-VN" sz="2800" b="1" i="1">
                           <a:latin typeface="Cambria Math" panose="02040503050406030204" pitchFamily="18" charset="0"/>
                         </a:rPr>
                         <m:t>            </m:t>
@@ -5950,7 +5997,7 @@
                         <m:t>𝑡h𝑖𝑠</m:t>
                       </m:r>
                       <m:r>
-                        <a:rPr lang="vi-VN" sz="2800" b="0" i="1">
+                        <a:rPr lang="vi-VN" sz="2800" i="1">
                           <a:latin typeface="Cambria Math" panose="02040503050406030204" pitchFamily="18" charset="0"/>
                         </a:rPr>
                         <m:t>→</m:t>
@@ -5962,7 +6009,7 @@
                         <m:t>h𝑒𝑟𝑜</m:t>
                       </m:r>
                       <m:r>
-                        <a:rPr lang="vi-VN" sz="2800" b="0" i="1">
+                        <a:rPr lang="vi-VN" sz="2800" i="1">
                           <a:latin typeface="Cambria Math" panose="02040503050406030204" pitchFamily="18" charset="0"/>
                         </a:rPr>
                         <m:t>== </m:t>
@@ -5977,26 +6024,80 @@
                         <m:t>null</m:t>
                       </m:r>
                       <m:r>
-                        <a:rPr lang="vi-VN" sz="2800" b="0" i="1">
+                        <a:rPr lang="vi-VN" sz="2800" i="1">
                           <a:latin typeface="Cambria Math" panose="02040503050406030204" pitchFamily="18" charset="0"/>
                         </a:rPr>
                         <m:t>? </m:t>
                       </m:r>
+                      <m:r>
+                        <a:rPr lang="en-VN" sz="2800" i="1">
+                          <a:latin typeface="Cambria Math" panose="02040503050406030204" pitchFamily="18" charset="0"/>
+                        </a:rPr>
+                        <m:t>      </m:t>
+                      </m:r>
                     </m:oMath>
                   </m:oMathPara>
                 </a14:m>
+                <a:endParaRPr lang="en-VN" sz="2800"/>
               </a:p>
               <a:p>
                 <a:pPr/>
-              </a:p>
-              <a:p>
-                <a:pPr/>
-              </a:p>
-              <a:p>
-                <a:pPr/>
-              </a:p>
-              <a:p>
-                <a:pPr/>
+                <a:r>
+                  <a:rPr lang="en-VN" sz="2800"/>
+                  <a:t>                  </a:t>
+                </a:r>
+                <a14:m>
+                  <m:oMath xmlns:m="http://schemas.openxmlformats.org/officeDocument/2006/math">
+                    <m:r>
+                      <a:rPr lang="en-VN" sz="2800" i="1">
+                        <a:latin typeface="Cambria Math" panose="02040503050406030204" pitchFamily="18" charset="0"/>
+                      </a:rPr>
+                      <m:t>𝑡h𝑖𝑠</m:t>
+                    </m:r>
+                    <m:r>
+                      <a:rPr lang="vi-VN" sz="2800" i="1">
+                        <a:latin typeface="Cambria Math" panose="02040503050406030204" pitchFamily="18" charset="0"/>
+                      </a:rPr>
+                      <m:t>→</m:t>
+                    </m:r>
+                    <m:r>
+                      <a:rPr lang="en-VN" sz="2800" i="1">
+                        <a:latin typeface="Cambria Math" panose="02040503050406030204" pitchFamily="18" charset="0"/>
+                      </a:rPr>
+                      <m:t>h𝑒𝑟𝑜</m:t>
+                    </m:r>
+                    <m:r>
+                      <a:rPr lang="en-VN" sz="2800" i="1">
+                        <a:latin typeface="Cambria Math" panose="02040503050406030204" pitchFamily="18" charset="0"/>
+                      </a:rPr>
+                      <m:t> = </m:t>
+                    </m:r>
+                    <m:r>
+                      <a:rPr lang="en-VN" sz="2800" i="1">
+                        <a:latin typeface="Cambria Math" panose="02040503050406030204" pitchFamily="18" charset="0"/>
+                      </a:rPr>
+                      <m:t>𝑛𝑒𝑤</m:t>
+                    </m:r>
+                    <m:r>
+                      <a:rPr lang="en-VN" sz="2800" i="1">
+                        <a:latin typeface="Cambria Math" panose="02040503050406030204" pitchFamily="18" charset="0"/>
+                      </a:rPr>
+                      <m:t> </m:t>
+                    </m:r>
+                    <m:r>
+                      <a:rPr lang="en-VN" sz="2800" i="1">
+                        <a:latin typeface="Cambria Math" panose="02040503050406030204" pitchFamily="18" charset="0"/>
+                      </a:rPr>
+                      <m:t>𝐻𝑒𝑟𝑜</m:t>
+                    </m:r>
+                    <m:r>
+                      <a:rPr lang="en-VN" sz="2800" i="1">
+                        <a:latin typeface="Cambria Math" panose="02040503050406030204" pitchFamily="18" charset="0"/>
+                      </a:rPr>
+                      <m:t>(…)</m:t>
+                    </m:r>
+                  </m:oMath>
+                </a14:m>
                 <a:endParaRPr lang="vi-VN" sz="2800" b="0" i="1">
                   <a:latin typeface="Cambria Math" panose="02040503050406030204" pitchFamily="18" charset="0"/>
                 </a:endParaRPr>
@@ -6013,68 +6114,7 @@
                         <a:rPr lang="en-VN" sz="2800" i="1">
                           <a:latin typeface="Cambria Math" panose="02040503050406030204" pitchFamily="18" charset="0"/>
                         </a:rPr>
-                        <m:t>                   </m:t>
-                      </m:r>
-                      <m:r>
-                        <a:rPr lang="en-VN" sz="2800" i="1">
-                          <a:latin typeface="Cambria Math" panose="02040503050406030204" pitchFamily="18" charset="0"/>
-                        </a:rPr>
-                        <m:t>𝑡h𝑖𝑠</m:t>
-                      </m:r>
-                      <m:r>
-                        <a:rPr lang="vi-VN" sz="2800" b="0" i="1">
-                          <a:latin typeface="Cambria Math" panose="02040503050406030204" pitchFamily="18" charset="0"/>
-                        </a:rPr>
-                        <m:t>→</m:t>
-                      </m:r>
-                      <m:r>
-                        <a:rPr lang="en-VN" sz="2800" i="1">
-                          <a:latin typeface="Cambria Math" panose="02040503050406030204" pitchFamily="18" charset="0"/>
-                        </a:rPr>
-                        <m:t>h𝑒𝑟𝑜</m:t>
-                      </m:r>
-                      <m:r>
-                        <a:rPr lang="en-VN" sz="2800" i="1">
-                          <a:latin typeface="Cambria Math" panose="02040503050406030204" pitchFamily="18" charset="0"/>
-                        </a:rPr>
-                        <m:t> = </m:t>
-                      </m:r>
-                      <m:r>
-                        <a:rPr lang="en-VN" sz="2800" i="1">
-                          <a:latin typeface="Cambria Math" panose="02040503050406030204" pitchFamily="18" charset="0"/>
-                        </a:rPr>
-                        <m:t>𝑛𝑒𝑤</m:t>
-                      </m:r>
-                      <m:r>
-                        <a:rPr lang="en-VN" sz="2800" i="1">
-                          <a:latin typeface="Cambria Math" panose="02040503050406030204" pitchFamily="18" charset="0"/>
-                        </a:rPr>
-                        <m:t> </m:t>
-                      </m:r>
-                      <m:r>
-                        <a:rPr lang="en-VN" sz="2800" i="1">
-                          <a:latin typeface="Cambria Math" panose="02040503050406030204" pitchFamily="18" charset="0"/>
-                        </a:rPr>
-                        <m:t>𝐻𝑒𝑟𝑜</m:t>
-                      </m:r>
-                      <m:r>
-                        <a:rPr lang="en-VN" sz="2800" i="1">
-                          <a:latin typeface="Cambria Math" panose="02040503050406030204" pitchFamily="18" charset="0"/>
-                        </a:rPr>
-                        <m:t>(…)</m:t>
-                      </m:r>
-                    </m:oMath>
-                  </m:oMathPara>
-                  <m:oMathPara xmlns:m="http://schemas.openxmlformats.org/officeDocument/2006/math">
-                    <m:oMathParaPr>
-                      <m:jc m:val="left"/>
-                    </m:oMathParaPr>
-                    <m:oMath xmlns:m="http://schemas.openxmlformats.org/officeDocument/2006/math">
-                      <m:r>
-                        <a:rPr lang="en-VN" sz="2800" i="1">
-                          <a:latin typeface="Cambria Math" panose="02040503050406030204" pitchFamily="18" charset="0"/>
-                        </a:rPr>
-                        <m:t>                   : </m:t>
+                        <m:t>                  : </m:t>
                       </m:r>
                       <m:r>
                         <a:rPr lang="en-VN" sz="2800" i="1">
@@ -6106,9 +6146,14 @@
                     </m:oMath>
                   </m:oMathPara>
                 </a14:m>
+                <a:endParaRPr lang="vi-VN" sz="2800" b="0" i="1">
+                  <a:latin typeface="Cambria Math" panose="02040503050406030204" pitchFamily="18" charset="0"/>
+                </a:endParaRPr>
               </a:p>
               <a:p>
-                <a:pPr/>
+                <a:endParaRPr lang="vi-VN" sz="2800" b="0" i="1">
+                  <a:latin typeface="Cambria Math" panose="02040503050406030204" pitchFamily="18" charset="0"/>
+                </a:endParaRPr>
               </a:p>
             </p:txBody>
           </p:sp>
@@ -6131,7 +6176,7 @@
             <p:spPr>
               <a:xfrm>
                 <a:off x="5409345" y="734658"/>
-                <a:ext cx="6794545" cy="4832092"/>
+                <a:ext cx="6794545" cy="5262979"/>
               </a:xfrm>
               <a:prstGeom prst="rect">
                 <a:avLst/>
@@ -6139,7 +6184,7 @@
               <a:blipFill>
                 <a:blip r:embed="rId3"/>
                 <a:stretch>
-                  <a:fillRect l="-1866" t="-1575" b="-2362"/>
+                  <a:fillRect l="-1866" t="-1446"/>
                 </a:stretch>
               </a:blipFill>
             </p:spPr>
@@ -9002,8 +9047,8 @@
           </a:p>
         </p:txBody>
       </p:sp>
-      <mc:AlternateContent xmlns:mc="http://schemas.openxmlformats.org/markup-compatibility/2006">
-        <mc:Choice xmlns:a14="http://schemas.microsoft.com/office/drawing/2010/main" Requires="a14">
+      <mc:AlternateContent xmlns:mc="http://schemas.openxmlformats.org/markup-compatibility/2006" xmlns:a14="http://schemas.microsoft.com/office/drawing/2010/main">
+        <mc:Choice Requires="a14">
           <p:sp>
             <p:nvSpPr>
               <p:cNvPr id="10" name="Rectangle 9">
@@ -9051,6 +9096,7 @@
               <a:bodyPr rtlCol="0" anchor="ctr"/>
               <a:lstStyle/>
               <a:p>
+                <a:pPr/>
                 <a14:m>
                   <m:oMathPara xmlns:m="http://schemas.openxmlformats.org/officeDocument/2006/math">
                     <m:oMathParaPr>
@@ -9096,11 +9142,12 @@
                     </m:oMath>
                   </m:oMathPara>
                 </a14:m>
+                <a:endParaRPr/>
               </a:p>
             </p:txBody>
           </p:sp>
         </mc:Choice>
-        <mc:Fallback>
+        <mc:Fallback xmlns="">
           <p:sp>
             <p:nvSpPr>
               <p:cNvPr id="10" name="Rectangle 9">
@@ -9150,8 +9197,8 @@
           </p:sp>
         </mc:Fallback>
       </mc:AlternateContent>
-      <mc:AlternateContent xmlns:mc="http://schemas.openxmlformats.org/markup-compatibility/2006">
-        <mc:Choice xmlns:a14="http://schemas.microsoft.com/office/drawing/2010/main" Requires="a14">
+      <mc:AlternateContent xmlns:mc="http://schemas.openxmlformats.org/markup-compatibility/2006" xmlns:a14="http://schemas.microsoft.com/office/drawing/2010/main">
+        <mc:Choice Requires="a14">
           <p:sp>
             <p:nvSpPr>
               <p:cNvPr id="11" name="Rectangle 10">
@@ -9199,6 +9246,7 @@
               <a:bodyPr rtlCol="0" anchor="ctr"/>
               <a:lstStyle/>
               <a:p>
+                <a:pPr/>
                 <a14:m>
                   <m:oMathPara xmlns:m="http://schemas.openxmlformats.org/officeDocument/2006/math">
                     <m:oMathParaPr>
@@ -9217,11 +9265,12 @@
                     </m:oMath>
                   </m:oMathPara>
                 </a14:m>
+                <a:endParaRPr/>
               </a:p>
             </p:txBody>
           </p:sp>
         </mc:Choice>
-        <mc:Fallback>
+        <mc:Fallback xmlns="">
           <p:sp>
             <p:nvSpPr>
               <p:cNvPr id="11" name="Rectangle 10">
@@ -9271,8 +9320,8 @@
           </p:sp>
         </mc:Fallback>
       </mc:AlternateContent>
-      <mc:AlternateContent xmlns:mc="http://schemas.openxmlformats.org/markup-compatibility/2006">
-        <mc:Choice xmlns:a14="http://schemas.microsoft.com/office/drawing/2010/main" Requires="a14">
+      <mc:AlternateContent xmlns:mc="http://schemas.openxmlformats.org/markup-compatibility/2006" xmlns:a14="http://schemas.microsoft.com/office/drawing/2010/main">
+        <mc:Choice Requires="a14">
           <p:sp>
             <p:nvSpPr>
               <p:cNvPr id="12" name="Rectangle 11">
@@ -9320,6 +9369,7 @@
               <a:bodyPr rtlCol="0" anchor="ctr"/>
               <a:lstStyle/>
               <a:p>
+                <a:pPr/>
                 <a14:m>
                   <m:oMathPara xmlns:m="http://schemas.openxmlformats.org/officeDocument/2006/math">
                     <m:oMathParaPr>
@@ -9365,11 +9415,12 @@
                     </m:oMath>
                   </m:oMathPara>
                 </a14:m>
+                <a:endParaRPr/>
               </a:p>
             </p:txBody>
           </p:sp>
         </mc:Choice>
-        <mc:Fallback>
+        <mc:Fallback xmlns="">
           <p:sp>
             <p:nvSpPr>
               <p:cNvPr id="12" name="Rectangle 11">
@@ -9419,8 +9470,8 @@
           </p:sp>
         </mc:Fallback>
       </mc:AlternateContent>
-      <mc:AlternateContent xmlns:mc="http://schemas.openxmlformats.org/markup-compatibility/2006">
-        <mc:Choice xmlns:a14="http://schemas.microsoft.com/office/drawing/2010/main" Requires="a14">
+      <mc:AlternateContent xmlns:mc="http://schemas.openxmlformats.org/markup-compatibility/2006" xmlns:a14="http://schemas.microsoft.com/office/drawing/2010/main">
+        <mc:Choice Requires="a14">
           <p:sp>
             <p:nvSpPr>
               <p:cNvPr id="13" name="Rectangle 12">
@@ -9468,6 +9519,7 @@
               <a:bodyPr rtlCol="0" anchor="ctr"/>
               <a:lstStyle/>
               <a:p>
+                <a:pPr/>
                 <a14:m>
                   <m:oMathPara xmlns:m="http://schemas.openxmlformats.org/officeDocument/2006/math">
                     <m:oMathParaPr>
@@ -9486,11 +9538,12 @@
                     </m:oMath>
                   </m:oMathPara>
                 </a14:m>
+                <a:endParaRPr/>
               </a:p>
             </p:txBody>
           </p:sp>
         </mc:Choice>
-        <mc:Fallback>
+        <mc:Fallback xmlns="">
           <p:sp>
             <p:nvSpPr>
               <p:cNvPr id="13" name="Rectangle 12">
@@ -9540,8 +9593,8 @@
           </p:sp>
         </mc:Fallback>
       </mc:AlternateContent>
-      <mc:AlternateContent xmlns:mc="http://schemas.openxmlformats.org/markup-compatibility/2006">
-        <mc:Choice xmlns:a14="http://schemas.microsoft.com/office/drawing/2010/main" Requires="a14">
+      <mc:AlternateContent xmlns:mc="http://schemas.openxmlformats.org/markup-compatibility/2006" xmlns:a14="http://schemas.microsoft.com/office/drawing/2010/main">
+        <mc:Choice Requires="a14">
           <p:sp>
             <p:nvSpPr>
               <p:cNvPr id="14" name="Rectangle 13">
@@ -9589,6 +9642,7 @@
               <a:bodyPr rtlCol="0" anchor="ctr"/>
               <a:lstStyle/>
               <a:p>
+                <a:pPr/>
                 <a14:m>
                   <m:oMathPara xmlns:m="http://schemas.openxmlformats.org/officeDocument/2006/math">
                     <m:oMathParaPr>
@@ -9634,11 +9688,12 @@
                     </m:oMath>
                   </m:oMathPara>
                 </a14:m>
+                <a:endParaRPr/>
               </a:p>
             </p:txBody>
           </p:sp>
         </mc:Choice>
-        <mc:Fallback>
+        <mc:Fallback xmlns="">
           <p:sp>
             <p:nvSpPr>
               <p:cNvPr id="14" name="Rectangle 13">
@@ -9688,8 +9743,8 @@
           </p:sp>
         </mc:Fallback>
       </mc:AlternateContent>
-      <mc:AlternateContent xmlns:mc="http://schemas.openxmlformats.org/markup-compatibility/2006">
-        <mc:Choice xmlns:a14="http://schemas.microsoft.com/office/drawing/2010/main" Requires="a14">
+      <mc:AlternateContent xmlns:mc="http://schemas.openxmlformats.org/markup-compatibility/2006" xmlns:a14="http://schemas.microsoft.com/office/drawing/2010/main">
+        <mc:Choice Requires="a14">
           <p:sp>
             <p:nvSpPr>
               <p:cNvPr id="15" name="Rectangle 14">
@@ -9737,6 +9792,7 @@
               <a:bodyPr rtlCol="0" anchor="ctr"/>
               <a:lstStyle/>
               <a:p>
+                <a:pPr/>
                 <a14:m>
                   <m:oMathPara xmlns:m="http://schemas.openxmlformats.org/officeDocument/2006/math">
                     <m:oMathParaPr>
@@ -9755,11 +9811,12 @@
                     </m:oMath>
                   </m:oMathPara>
                 </a14:m>
+                <a:endParaRPr/>
               </a:p>
             </p:txBody>
           </p:sp>
         </mc:Choice>
-        <mc:Fallback>
+        <mc:Fallback xmlns="">
           <p:sp>
             <p:nvSpPr>
               <p:cNvPr id="15" name="Rectangle 14">
@@ -9984,8 +10041,8 @@
           </a:p>
         </p:txBody>
       </p:sp>
-      <mc:AlternateContent xmlns:mc="http://schemas.openxmlformats.org/markup-compatibility/2006">
-        <mc:Choice xmlns:a14="http://schemas.microsoft.com/office/drawing/2010/main" Requires="a14">
+      <mc:AlternateContent xmlns:mc="http://schemas.openxmlformats.org/markup-compatibility/2006" xmlns:a14="http://schemas.microsoft.com/office/drawing/2010/main">
+        <mc:Choice Requires="a14">
           <p:sp>
             <p:nvSpPr>
               <p:cNvPr id="27" name="TextBox 26">
@@ -10014,6 +10071,7 @@
               </a:bodyPr>
               <a:lstStyle/>
               <a:p>
+                <a:pPr/>
                 <a14:m>
                   <m:oMathPara xmlns:m="http://schemas.openxmlformats.org/officeDocument/2006/math">
                     <m:oMathParaPr>
@@ -10077,11 +10135,12 @@
                     </m:oMath>
                   </m:oMathPara>
                 </a14:m>
+                <a:endParaRPr/>
               </a:p>
             </p:txBody>
           </p:sp>
         </mc:Choice>
-        <mc:Fallback>
+        <mc:Fallback xmlns="">
           <p:sp>
             <p:nvSpPr>
               <p:cNvPr id="27" name="TextBox 26">
@@ -10126,8 +10185,8 @@
           </p:sp>
         </mc:Fallback>
       </mc:AlternateContent>
-      <mc:AlternateContent xmlns:mc="http://schemas.openxmlformats.org/markup-compatibility/2006">
-        <mc:Choice xmlns:a14="http://schemas.microsoft.com/office/drawing/2010/main" Requires="a14">
+      <mc:AlternateContent xmlns:mc="http://schemas.openxmlformats.org/markup-compatibility/2006" xmlns:a14="http://schemas.microsoft.com/office/drawing/2010/main">
+        <mc:Choice Requires="a14">
           <p:sp>
             <p:nvSpPr>
               <p:cNvPr id="29" name="TextBox 28">
@@ -10156,6 +10215,7 @@
               </a:bodyPr>
               <a:lstStyle/>
               <a:p>
+                <a:pPr/>
                 <a14:m>
                   <m:oMathPara xmlns:m="http://schemas.openxmlformats.org/officeDocument/2006/math">
                     <m:oMathParaPr>
@@ -10183,11 +10243,12 @@
                     </m:oMath>
                   </m:oMathPara>
                 </a14:m>
+                <a:endParaRPr/>
               </a:p>
             </p:txBody>
           </p:sp>
         </mc:Choice>
-        <mc:Fallback>
+        <mc:Fallback xmlns="">
           <p:sp>
             <p:nvSpPr>
               <p:cNvPr id="29" name="TextBox 28">
@@ -10232,8 +10293,8 @@
           </p:sp>
         </mc:Fallback>
       </mc:AlternateContent>
-      <mc:AlternateContent xmlns:mc="http://schemas.openxmlformats.org/markup-compatibility/2006">
-        <mc:Choice xmlns:a14="http://schemas.microsoft.com/office/drawing/2010/main" Requires="a14">
+      <mc:AlternateContent xmlns:mc="http://schemas.openxmlformats.org/markup-compatibility/2006" xmlns:a14="http://schemas.microsoft.com/office/drawing/2010/main">
+        <mc:Choice Requires="a14">
           <p:sp>
             <p:nvSpPr>
               <p:cNvPr id="30" name="TextBox 29">
@@ -10262,6 +10323,7 @@
               </a:bodyPr>
               <a:lstStyle/>
               <a:p>
+                <a:pPr/>
                 <a14:m>
                   <m:oMathPara xmlns:m="http://schemas.openxmlformats.org/officeDocument/2006/math">
                     <m:oMathParaPr>
@@ -10289,11 +10351,12 @@
                     </m:oMath>
                   </m:oMathPara>
                 </a14:m>
+                <a:endParaRPr/>
               </a:p>
             </p:txBody>
           </p:sp>
         </mc:Choice>
-        <mc:Fallback>
+        <mc:Fallback xmlns="">
           <p:sp>
             <p:nvSpPr>
               <p:cNvPr id="30" name="TextBox 29">
@@ -10338,8 +10401,8 @@
           </p:sp>
         </mc:Fallback>
       </mc:AlternateContent>
-      <mc:AlternateContent xmlns:mc="http://schemas.openxmlformats.org/markup-compatibility/2006">
-        <mc:Choice xmlns:a14="http://schemas.microsoft.com/office/drawing/2010/main" Requires="a14">
+      <mc:AlternateContent xmlns:mc="http://schemas.openxmlformats.org/markup-compatibility/2006" xmlns:a14="http://schemas.microsoft.com/office/drawing/2010/main">
+        <mc:Choice Requires="a14">
           <p:sp>
             <p:nvSpPr>
               <p:cNvPr id="31" name="TextBox 30">
@@ -10368,6 +10431,7 @@
               </a:bodyPr>
               <a:lstStyle/>
               <a:p>
+                <a:pPr/>
                 <a14:m>
                   <m:oMathPara xmlns:m="http://schemas.openxmlformats.org/officeDocument/2006/math">
                     <m:oMathParaPr>
@@ -10395,11 +10459,12 @@
                     </m:oMath>
                   </m:oMathPara>
                 </a14:m>
+                <a:endParaRPr/>
               </a:p>
             </p:txBody>
           </p:sp>
         </mc:Choice>
-        <mc:Fallback>
+        <mc:Fallback xmlns="">
           <p:sp>
             <p:nvSpPr>
               <p:cNvPr id="31" name="TextBox 30">
@@ -10586,8 +10651,8 @@
           </a:fontRef>
         </p:style>
       </p:cxnSp>
-      <mc:AlternateContent xmlns:mc="http://schemas.openxmlformats.org/markup-compatibility/2006">
-        <mc:Choice xmlns:a14="http://schemas.microsoft.com/office/drawing/2010/main" Requires="a14">
+      <mc:AlternateContent xmlns:mc="http://schemas.openxmlformats.org/markup-compatibility/2006" xmlns:a14="http://schemas.microsoft.com/office/drawing/2010/main">
+        <mc:Choice Requires="a14">
           <p:sp>
             <p:nvSpPr>
               <p:cNvPr id="51" name="TextBox 50">
@@ -10616,6 +10681,7 @@
               </a:bodyPr>
               <a:lstStyle/>
               <a:p>
+                <a:pPr/>
                 <a14:m>
                   <m:oMathPara xmlns:m="http://schemas.openxmlformats.org/officeDocument/2006/math">
                     <m:oMathParaPr>
@@ -10670,11 +10736,12 @@
                     </m:oMath>
                   </m:oMathPara>
                 </a14:m>
+                <a:endParaRPr/>
               </a:p>
             </p:txBody>
           </p:sp>
         </mc:Choice>
-        <mc:Fallback>
+        <mc:Fallback xmlns="">
           <p:sp>
             <p:nvSpPr>
               <p:cNvPr id="51" name="TextBox 50">
@@ -10719,8 +10786,8 @@
           </p:sp>
         </mc:Fallback>
       </mc:AlternateContent>
-      <mc:AlternateContent xmlns:mc="http://schemas.openxmlformats.org/markup-compatibility/2006">
-        <mc:Choice xmlns:a14="http://schemas.microsoft.com/office/drawing/2010/main" Requires="a14">
+      <mc:AlternateContent xmlns:mc="http://schemas.openxmlformats.org/markup-compatibility/2006" xmlns:a14="http://schemas.microsoft.com/office/drawing/2010/main">
+        <mc:Choice Requires="a14">
           <p:sp>
             <p:nvSpPr>
               <p:cNvPr id="52" name="TextBox 51">
@@ -10749,6 +10816,7 @@
               </a:bodyPr>
               <a:lstStyle/>
               <a:p>
+                <a:pPr/>
                 <a14:m>
                   <m:oMathPara xmlns:m="http://schemas.openxmlformats.org/officeDocument/2006/math">
                     <m:oMathParaPr>
@@ -10776,11 +10844,12 @@
                     </m:oMath>
                   </m:oMathPara>
                 </a14:m>
+                <a:endParaRPr/>
               </a:p>
             </p:txBody>
           </p:sp>
         </mc:Choice>
-        <mc:Fallback>
+        <mc:Fallback xmlns="">
           <p:sp>
             <p:nvSpPr>
               <p:cNvPr id="52" name="TextBox 51">
@@ -10825,8 +10894,8 @@
           </p:sp>
         </mc:Fallback>
       </mc:AlternateContent>
-      <mc:AlternateContent xmlns:mc="http://schemas.openxmlformats.org/markup-compatibility/2006">
-        <mc:Choice xmlns:a14="http://schemas.microsoft.com/office/drawing/2010/main" Requires="a14">
+      <mc:AlternateContent xmlns:mc="http://schemas.openxmlformats.org/markup-compatibility/2006" xmlns:a14="http://schemas.microsoft.com/office/drawing/2010/main">
+        <mc:Choice Requires="a14">
           <p:sp>
             <p:nvSpPr>
               <p:cNvPr id="53" name="TextBox 52">
@@ -10855,6 +10924,7 @@
               </a:bodyPr>
               <a:lstStyle/>
               <a:p>
+                <a:pPr/>
                 <a14:m>
                   <m:oMathPara xmlns:m="http://schemas.openxmlformats.org/officeDocument/2006/math">
                     <m:oMathParaPr>
@@ -10882,11 +10952,12 @@
                     </m:oMath>
                   </m:oMathPara>
                 </a14:m>
+                <a:endParaRPr/>
               </a:p>
             </p:txBody>
           </p:sp>
         </mc:Choice>
-        <mc:Fallback>
+        <mc:Fallback xmlns="">
           <p:sp>
             <p:nvSpPr>
               <p:cNvPr id="53" name="TextBox 52">
@@ -10931,8 +11002,8 @@
           </p:sp>
         </mc:Fallback>
       </mc:AlternateContent>
-      <mc:AlternateContent xmlns:mc="http://schemas.openxmlformats.org/markup-compatibility/2006">
-        <mc:Choice xmlns:a14="http://schemas.microsoft.com/office/drawing/2010/main" Requires="a14">
+      <mc:AlternateContent xmlns:mc="http://schemas.openxmlformats.org/markup-compatibility/2006" xmlns:a14="http://schemas.microsoft.com/office/drawing/2010/main">
+        <mc:Choice Requires="a14">
           <p:sp>
             <p:nvSpPr>
               <p:cNvPr id="54" name="TextBox 53">
@@ -10961,6 +11032,7 @@
               </a:bodyPr>
               <a:lstStyle/>
               <a:p>
+                <a:pPr/>
                 <a14:m>
                   <m:oMathPara xmlns:m="http://schemas.openxmlformats.org/officeDocument/2006/math">
                     <m:oMathParaPr>
@@ -10988,11 +11060,12 @@
                     </m:oMath>
                   </m:oMathPara>
                 </a14:m>
+                <a:endParaRPr/>
               </a:p>
             </p:txBody>
           </p:sp>
         </mc:Choice>
-        <mc:Fallback>
+        <mc:Fallback xmlns="">
           <p:sp>
             <p:nvSpPr>
               <p:cNvPr id="54" name="TextBox 53">
@@ -11312,8 +11385,8 @@
           </a:p>
         </p:txBody>
       </p:sp>
-      <mc:AlternateContent xmlns:mc="http://schemas.openxmlformats.org/markup-compatibility/2006">
-        <mc:Choice xmlns:a14="http://schemas.microsoft.com/office/drawing/2010/main" Requires="a14">
+      <mc:AlternateContent xmlns:mc="http://schemas.openxmlformats.org/markup-compatibility/2006" xmlns:a14="http://schemas.microsoft.com/office/drawing/2010/main">
+        <mc:Choice Requires="a14">
           <p:sp>
             <p:nvSpPr>
               <p:cNvPr id="5" name="Rectangle 4">
@@ -11563,11 +11636,14 @@
                     </m:d>
                   </m:oMath>
                 </a14:m>
+                <a:endParaRPr lang="en-US" altLang="zh-TW" sz="2400" b="1">
+                  <a:ea typeface="新細明體" pitchFamily="18" charset="-120"/>
+                </a:endParaRPr>
               </a:p>
             </p:txBody>
           </p:sp>
         </mc:Choice>
-        <mc:Fallback>
+        <mc:Fallback xmlns="">
           <p:sp>
             <p:nvSpPr>
               <p:cNvPr id="5" name="Rectangle 4">
@@ -11619,8 +11695,8 @@
           </p:sp>
         </mc:Fallback>
       </mc:AlternateContent>
-      <mc:AlternateContent xmlns:mc="http://schemas.openxmlformats.org/markup-compatibility/2006">
-        <mc:Choice xmlns:a14="http://schemas.microsoft.com/office/drawing/2010/main" Requires="a14">
+      <mc:AlternateContent xmlns:mc="http://schemas.openxmlformats.org/markup-compatibility/2006" xmlns:a14="http://schemas.microsoft.com/office/drawing/2010/main">
+        <mc:Choice Requires="a14">
           <p:sp>
             <p:nvSpPr>
               <p:cNvPr id="7" name="Rectangle 6">
@@ -11824,11 +11900,14 @@
                     </m:d>
                   </m:oMath>
                 </a14:m>
+                <a:endParaRPr lang="en-US" altLang="zh-TW" sz="2400" b="1">
+                  <a:ea typeface="新細明體" pitchFamily="18" charset="-120"/>
+                </a:endParaRPr>
               </a:p>
             </p:txBody>
           </p:sp>
         </mc:Choice>
-        <mc:Fallback>
+        <mc:Fallback xmlns="">
           <p:sp>
             <p:nvSpPr>
               <p:cNvPr id="7" name="Rectangle 6">
@@ -11961,8 +12040,8 @@
           </a:p>
         </p:txBody>
       </p:sp>
-      <mc:AlternateContent xmlns:mc="http://schemas.openxmlformats.org/markup-compatibility/2006">
-        <mc:Choice xmlns:a14="http://schemas.microsoft.com/office/drawing/2010/main" Requires="a14">
+      <mc:AlternateContent xmlns:mc="http://schemas.openxmlformats.org/markup-compatibility/2006" xmlns:a14="http://schemas.microsoft.com/office/drawing/2010/main">
+        <mc:Choice Requires="a14">
           <p:sp>
             <p:nvSpPr>
               <p:cNvPr id="17" name="TextBox 16">
@@ -11991,6 +12070,7 @@
               </a:bodyPr>
               <a:lstStyle/>
               <a:p>
+                <a:pPr/>
                 <a14:m>
                   <m:oMathPara xmlns:m="http://schemas.openxmlformats.org/officeDocument/2006/math">
                     <m:oMathParaPr>
@@ -12072,11 +12152,12 @@
                     </m:oMath>
                   </m:oMathPara>
                 </a14:m>
+                <a:endParaRPr/>
               </a:p>
             </p:txBody>
           </p:sp>
         </mc:Choice>
-        <mc:Fallback>
+        <mc:Fallback xmlns="">
           <p:sp>
             <p:nvSpPr>
               <p:cNvPr id="17" name="TextBox 16">
@@ -12121,8 +12202,8 @@
           </p:sp>
         </mc:Fallback>
       </mc:AlternateContent>
-      <mc:AlternateContent xmlns:mc="http://schemas.openxmlformats.org/markup-compatibility/2006">
-        <mc:Choice xmlns:a14="http://schemas.microsoft.com/office/drawing/2010/main" Requires="a14">
+      <mc:AlternateContent xmlns:mc="http://schemas.openxmlformats.org/markup-compatibility/2006" xmlns:a14="http://schemas.microsoft.com/office/drawing/2010/main">
+        <mc:Choice Requires="a14">
           <p:sp>
             <p:nvSpPr>
               <p:cNvPr id="18" name="TextBox 17">
@@ -12151,6 +12232,7 @@
               </a:bodyPr>
               <a:lstStyle/>
               <a:p>
+                <a:pPr/>
                 <a14:m>
                   <m:oMathPara xmlns:m="http://schemas.openxmlformats.org/officeDocument/2006/math">
                     <m:oMathParaPr>
@@ -12196,11 +12278,12 @@
                     </m:oMath>
                   </m:oMathPara>
                 </a14:m>
+                <a:endParaRPr/>
               </a:p>
             </p:txBody>
           </p:sp>
         </mc:Choice>
-        <mc:Fallback>
+        <mc:Fallback xmlns="">
           <p:sp>
             <p:nvSpPr>
               <p:cNvPr id="18" name="TextBox 17">
@@ -12245,8 +12328,8 @@
           </p:sp>
         </mc:Fallback>
       </mc:AlternateContent>
-      <mc:AlternateContent xmlns:mc="http://schemas.openxmlformats.org/markup-compatibility/2006">
-        <mc:Choice xmlns:a14="http://schemas.microsoft.com/office/drawing/2010/main" Requires="a14">
+      <mc:AlternateContent xmlns:mc="http://schemas.openxmlformats.org/markup-compatibility/2006" xmlns:a14="http://schemas.microsoft.com/office/drawing/2010/main">
+        <mc:Choice Requires="a14">
           <p:sp>
             <p:nvSpPr>
               <p:cNvPr id="20" name="TextBox 19">
@@ -12275,6 +12358,7 @@
               </a:bodyPr>
               <a:lstStyle/>
               <a:p>
+                <a:pPr/>
                 <a14:m>
                   <m:oMathPara xmlns:m="http://schemas.openxmlformats.org/officeDocument/2006/math">
                     <m:oMathParaPr>
@@ -12320,11 +12404,12 @@
                     </m:oMath>
                   </m:oMathPara>
                 </a14:m>
+                <a:endParaRPr/>
               </a:p>
             </p:txBody>
           </p:sp>
         </mc:Choice>
-        <mc:Fallback>
+        <mc:Fallback xmlns="">
           <p:sp>
             <p:nvSpPr>
               <p:cNvPr id="20" name="TextBox 19">
@@ -12463,8 +12548,8 @@
           </a:fontRef>
         </p:style>
       </p:cxnSp>
-      <mc:AlternateContent xmlns:mc="http://schemas.openxmlformats.org/markup-compatibility/2006">
-        <mc:Choice xmlns:a14="http://schemas.microsoft.com/office/drawing/2010/main" Requires="a14">
+      <mc:AlternateContent xmlns:mc="http://schemas.openxmlformats.org/markup-compatibility/2006" xmlns:a14="http://schemas.microsoft.com/office/drawing/2010/main">
+        <mc:Choice Requires="a14">
           <p:sp>
             <p:nvSpPr>
               <p:cNvPr id="28" name="Rectangle 27">
@@ -12731,11 +12816,14 @@
                     </m:r>
                   </m:oMath>
                 </a14:m>
+                <a:endParaRPr lang="en-US" altLang="zh-TW" sz="2400" b="1">
+                  <a:ea typeface="新細明體" pitchFamily="18" charset="-120"/>
+                </a:endParaRPr>
               </a:p>
             </p:txBody>
           </p:sp>
         </mc:Choice>
-        <mc:Fallback>
+        <mc:Fallback xmlns="">
           <p:sp>
             <p:nvSpPr>
               <p:cNvPr id="28" name="Rectangle 27">
@@ -12787,8 +12875,8 @@
           </p:sp>
         </mc:Fallback>
       </mc:AlternateContent>
-      <mc:AlternateContent xmlns:mc="http://schemas.openxmlformats.org/markup-compatibility/2006">
-        <mc:Choice xmlns:a14="http://schemas.microsoft.com/office/drawing/2010/main" Requires="a14">
+      <mc:AlternateContent xmlns:mc="http://schemas.openxmlformats.org/markup-compatibility/2006" xmlns:a14="http://schemas.microsoft.com/office/drawing/2010/main">
+        <mc:Choice Requires="a14">
           <p:sp>
             <p:nvSpPr>
               <p:cNvPr id="37" name="TextBox 36">
@@ -12817,6 +12905,7 @@
               </a:bodyPr>
               <a:lstStyle/>
               <a:p>
+                <a:pPr/>
                 <a14:m>
                   <m:oMathPara xmlns:m="http://schemas.openxmlformats.org/officeDocument/2006/math">
                     <m:oMathParaPr>
@@ -12898,11 +12987,12 @@
                     </m:oMath>
                   </m:oMathPara>
                 </a14:m>
+                <a:endParaRPr/>
               </a:p>
             </p:txBody>
           </p:sp>
         </mc:Choice>
-        <mc:Fallback>
+        <mc:Fallback xmlns="">
           <p:sp>
             <p:nvSpPr>
               <p:cNvPr id="37" name="TextBox 36">
@@ -12947,8 +13037,8 @@
           </p:sp>
         </mc:Fallback>
       </mc:AlternateContent>
-      <mc:AlternateContent xmlns:mc="http://schemas.openxmlformats.org/markup-compatibility/2006">
-        <mc:Choice xmlns:a14="http://schemas.microsoft.com/office/drawing/2010/main" Requires="a14">
+      <mc:AlternateContent xmlns:mc="http://schemas.openxmlformats.org/markup-compatibility/2006" xmlns:a14="http://schemas.microsoft.com/office/drawing/2010/main">
+        <mc:Choice Requires="a14">
           <p:sp>
             <p:nvSpPr>
               <p:cNvPr id="38" name="TextBox 37">
@@ -12977,6 +13067,7 @@
               </a:bodyPr>
               <a:lstStyle/>
               <a:p>
+                <a:pPr/>
                 <a14:m>
                   <m:oMathPara xmlns:m="http://schemas.openxmlformats.org/officeDocument/2006/math">
                     <m:oMathParaPr>
@@ -13022,11 +13113,12 @@
                     </m:oMath>
                   </m:oMathPara>
                 </a14:m>
+                <a:endParaRPr/>
               </a:p>
             </p:txBody>
           </p:sp>
         </mc:Choice>
-        <mc:Fallback>
+        <mc:Fallback xmlns="">
           <p:sp>
             <p:nvSpPr>
               <p:cNvPr id="38" name="TextBox 37">
@@ -13071,8 +13163,8 @@
           </p:sp>
         </mc:Fallback>
       </mc:AlternateContent>
-      <mc:AlternateContent xmlns:mc="http://schemas.openxmlformats.org/markup-compatibility/2006">
-        <mc:Choice xmlns:a14="http://schemas.microsoft.com/office/drawing/2010/main" Requires="a14">
+      <mc:AlternateContent xmlns:mc="http://schemas.openxmlformats.org/markup-compatibility/2006" xmlns:a14="http://schemas.microsoft.com/office/drawing/2010/main">
+        <mc:Choice Requires="a14">
           <p:sp>
             <p:nvSpPr>
               <p:cNvPr id="40" name="TextBox 39">
@@ -13101,6 +13193,7 @@
               </a:bodyPr>
               <a:lstStyle/>
               <a:p>
+                <a:pPr/>
                 <a14:m>
                   <m:oMathPara xmlns:m="http://schemas.openxmlformats.org/officeDocument/2006/math">
                     <m:oMathParaPr>
@@ -13146,11 +13239,12 @@
                     </m:oMath>
                   </m:oMathPara>
                 </a14:m>
+                <a:endParaRPr/>
               </a:p>
             </p:txBody>
           </p:sp>
         </mc:Choice>
-        <mc:Fallback>
+        <mc:Fallback xmlns="">
           <p:sp>
             <p:nvSpPr>
               <p:cNvPr id="40" name="TextBox 39">
@@ -13983,8 +14077,8 @@
           </a:fontRef>
         </p:style>
       </p:cxnSp>
-      <mc:AlternateContent xmlns:mc="http://schemas.openxmlformats.org/markup-compatibility/2006">
-        <mc:Choice xmlns:a14="http://schemas.microsoft.com/office/drawing/2010/main" Requires="a14">
+      <mc:AlternateContent xmlns:mc="http://schemas.openxmlformats.org/markup-compatibility/2006" xmlns:a14="http://schemas.microsoft.com/office/drawing/2010/main">
+        <mc:Choice Requires="a14">
           <p:sp>
             <p:nvSpPr>
               <p:cNvPr id="27" name="TextBox 26">
@@ -14013,6 +14107,7 @@
               </a:bodyPr>
               <a:lstStyle/>
               <a:p>
+                <a:pPr/>
                 <a14:m>
                   <m:oMathPara xmlns:m="http://schemas.openxmlformats.org/officeDocument/2006/math">
                     <m:oMathParaPr>
@@ -14040,7 +14135,7 @@
             </p:txBody>
           </p:sp>
         </mc:Choice>
-        <mc:Fallback>
+        <mc:Fallback xmlns="">
           <p:sp>
             <p:nvSpPr>
               <p:cNvPr id="27" name="TextBox 26">
@@ -14347,8 +14442,8 @@
           </a:p>
         </p:txBody>
       </p:sp>
-      <mc:AlternateContent xmlns:mc="http://schemas.openxmlformats.org/markup-compatibility/2006">
-        <mc:Choice xmlns:a14="http://schemas.microsoft.com/office/drawing/2010/main" Requires="a14">
+      <mc:AlternateContent xmlns:mc="http://schemas.openxmlformats.org/markup-compatibility/2006" xmlns:a14="http://schemas.microsoft.com/office/drawing/2010/main">
+        <mc:Choice Requires="a14">
           <p:sp>
             <p:nvSpPr>
               <p:cNvPr id="31" name="Rectangle 30">
@@ -14477,11 +14572,15 @@
                     </m:oMath>
                   </m:oMathPara>
                 </a14:m>
+                <a:endParaRPr lang="vi-VN" altLang="zh-TW" sz="2400" i="1">
+                  <a:latin typeface="Cambria Math" panose="02040503050406030204" pitchFamily="18" charset="0"/>
+                  <a:ea typeface="新細明體" pitchFamily="18" charset="-120"/>
+                </a:endParaRPr>
               </a:p>
             </p:txBody>
           </p:sp>
         </mc:Choice>
-        <mc:Fallback>
+        <mc:Fallback xmlns="">
           <p:sp>
             <p:nvSpPr>
               <p:cNvPr id="31" name="Rectangle 30">
@@ -14598,14 +14697,11 @@
                         <m:t> </m:t>
                       </m:r>
                       <m:r>
-                        <m:rPr>
-                          <m:sty m:val="p"/>
-                        </m:rPr>
                         <a:rPr lang="vi-VN" altLang="zh-TW" sz="2400" i="1">
                           <a:latin typeface="Cambria Math" panose="02040503050406030204" pitchFamily="18" charset="0"/>
                           <a:ea typeface="新細明體" pitchFamily="18" charset="-120"/>
                         </a:rPr>
-                        <m:t>Monkey</m:t>
+                        <m:t>𝑀𝑜𝑛𝑘𝑒𝑦</m:t>
                       </m:r>
                       <m:r>
                         <a:rPr lang="vi-VN" altLang="zh-TW" sz="2400" b="0" i="1">
@@ -14723,6 +14819,9 @@
                     </m:d>
                   </m:oMath>
                 </a14:m>
+                <a:endParaRPr lang="en-US" altLang="zh-TW" sz="2400" b="1">
+                  <a:ea typeface="新細明體" pitchFamily="18" charset="-120"/>
+                </a:endParaRPr>
               </a:p>
             </p:txBody>
           </p:sp>
@@ -14753,7 +14852,7 @@
               <a:blipFill>
                 <a:blip r:embed="rId4"/>
                 <a:stretch>
-                  <a:fillRect l="-597" b="-3797"/>
+                  <a:fillRect l="-597" r="-597"/>
                 </a:stretch>
               </a:blipFill>
               <a:ln w="9525">
@@ -14844,14 +14943,11 @@
                         <m:t> </m:t>
                       </m:r>
                       <m:r>
-                        <m:rPr>
-                          <m:sty m:val="p"/>
-                        </m:rPr>
                         <a:rPr lang="vi-VN" altLang="zh-TW" sz="2400" i="1">
                           <a:latin typeface="Cambria Math" panose="02040503050406030204" pitchFamily="18" charset="0"/>
                           <a:ea typeface="新細明體" pitchFamily="18" charset="-120"/>
                         </a:rPr>
-                        <m:t>Human</m:t>
+                        <m:t>𝐻𝑢𝑚𝑎𝑛</m:t>
                       </m:r>
                       <m:r>
                         <a:rPr lang="vi-VN" altLang="zh-TW" sz="2400" b="0" i="1">
@@ -14958,7 +15054,6 @@
                   </a:rPr>
                   <a:t>         </a:t>
                 </a:r>
-                <a14:m/>
               </a:p>
             </p:txBody>
           </p:sp>
@@ -14989,7 +15084,7 @@
               <a:blipFill>
                 <a:blip r:embed="rId5"/>
                 <a:stretch>
-                  <a:fillRect l="-468" b="-46835"/>
+                  <a:fillRect l="-468" r="-468"/>
                 </a:stretch>
               </a:blipFill>
               <a:ln w="9525">
@@ -23129,8 +23224,8 @@
           </a:p>
         </p:txBody>
       </p:sp>
-      <mc:AlternateContent xmlns:mc="http://schemas.openxmlformats.org/markup-compatibility/2006">
-        <mc:Choice xmlns:a14="http://schemas.microsoft.com/office/drawing/2010/main" Requires="a14">
+      <mc:AlternateContent xmlns:mc="http://schemas.openxmlformats.org/markup-compatibility/2006" xmlns:a14="http://schemas.microsoft.com/office/drawing/2010/main">
+        <mc:Choice Requires="a14">
           <p:sp>
             <p:nvSpPr>
               <p:cNvPr id="35" name="TextBox 34">
@@ -23159,6 +23254,7 @@
               </a:bodyPr>
               <a:lstStyle/>
               <a:p>
+                <a:pPr/>
                 <a14:m>
                   <m:oMathPara xmlns:m="http://schemas.openxmlformats.org/officeDocument/2006/math">
                     <m:oMathParaPr>
@@ -23186,7 +23282,7 @@
             </p:txBody>
           </p:sp>
         </mc:Choice>
-        <mc:Fallback>
+        <mc:Fallback xmlns="">
           <p:sp>
             <p:nvSpPr>
               <p:cNvPr id="35" name="TextBox 34">

--- a/IT002-OOP/Slide lý thuyết/Inherit.pptx
+++ b/IT002-OOP/Slide lý thuyết/Inherit.pptx
@@ -211,7 +211,7 @@
           </a:lstStyle>
           <a:p>
             <a:fld id="{77F5E20D-330D-AE4A-A6A6-1850AD2ED2D6}" type="datetimeFigureOut">
-              <a:t>14/10/25</a:t>
+              <a:t>28/1/26</a:t>
             </a:fld>
             <a:endParaRPr lang="en-VN"/>
           </a:p>
@@ -1542,7 +1542,7 @@
           <a:lstStyle/>
           <a:p>
             <a:fld id="{B19CC23C-BA29-DE42-B018-0A671B23AB5C}" type="datetime1">
-              <a:t>14/10/25</a:t>
+              <a:t>28/1/26</a:t>
             </a:fld>
             <a:endParaRPr lang="en-VN"/>
           </a:p>
@@ -1740,7 +1740,7 @@
           <a:lstStyle/>
           <a:p>
             <a:fld id="{4C98E9E1-1963-2549-A392-0CE442C818D3}" type="datetime1">
-              <a:t>17/10/25</a:t>
+              <a:t>28/1/26</a:t>
             </a:fld>
             <a:endParaRPr lang="en-VN"/>
           </a:p>
@@ -1948,7 +1948,7 @@
           <a:lstStyle/>
           <a:p>
             <a:fld id="{C7AFA920-85BE-4747-816A-47AD76A510FA}" type="datetime1">
-              <a:t>17/10/25</a:t>
+              <a:t>28/1/26</a:t>
             </a:fld>
             <a:endParaRPr lang="en-VN"/>
           </a:p>
@@ -2146,7 +2146,7 @@
           <a:lstStyle/>
           <a:p>
             <a:fld id="{AAD3D96D-7531-BC47-A011-B5D6B3D43310}" type="datetime1">
-              <a:t>14/10/25</a:t>
+              <a:t>28/1/26</a:t>
             </a:fld>
             <a:endParaRPr lang="en-VN"/>
           </a:p>
@@ -2456,7 +2456,7 @@
           <a:lstStyle/>
           <a:p>
             <a:fld id="{9099FF25-CCF5-1749-B789-DEA9DF3915D1}" type="datetime1">
-              <a:t>17/10/25</a:t>
+              <a:t>28/1/26</a:t>
             </a:fld>
             <a:endParaRPr lang="en-VN"/>
           </a:p>
@@ -2722,7 +2722,7 @@
           <a:lstStyle/>
           <a:p>
             <a:fld id="{96C9BD3F-C60C-8F40-A1AA-746E79F526C8}" type="datetime1">
-              <a:t>17/10/25</a:t>
+              <a:t>28/1/26</a:t>
             </a:fld>
             <a:endParaRPr lang="en-VN"/>
           </a:p>
@@ -3135,7 +3135,7 @@
           <a:lstStyle/>
           <a:p>
             <a:fld id="{A8563D55-6338-8241-BEA3-C8267015B326}" type="datetime1">
-              <a:t>17/10/25</a:t>
+              <a:t>28/1/26</a:t>
             </a:fld>
             <a:endParaRPr lang="en-VN"/>
           </a:p>
@@ -3275,7 +3275,7 @@
           <a:lstStyle/>
           <a:p>
             <a:fld id="{89782EF4-4D34-8E49-9BB8-7FCD8F64F56C}" type="datetime1">
-              <a:t>17/10/25</a:t>
+              <a:t>28/1/26</a:t>
             </a:fld>
             <a:endParaRPr lang="en-VN"/>
           </a:p>
@@ -3386,7 +3386,7 @@
           <a:lstStyle/>
           <a:p>
             <a:fld id="{8A835D4F-1253-B847-8798-F89DBC53ECA3}" type="datetime1">
-              <a:t>17/10/25</a:t>
+              <a:t>28/1/26</a:t>
             </a:fld>
             <a:endParaRPr lang="en-VN"/>
           </a:p>
@@ -3697,7 +3697,7 @@
           <a:lstStyle/>
           <a:p>
             <a:fld id="{7B60E56D-C72A-354F-B0FC-65EC27F745C6}" type="datetime1">
-              <a:t>17/10/25</a:t>
+              <a:t>28/1/26</a:t>
             </a:fld>
             <a:endParaRPr lang="en-VN"/>
           </a:p>
@@ -3984,7 +3984,7 @@
           <a:lstStyle/>
           <a:p>
             <a:fld id="{D4EEE616-05B3-E949-A580-BAD4E917BCA4}" type="datetime1">
-              <a:t>17/10/25</a:t>
+              <a:t>28/1/26</a:t>
             </a:fld>
             <a:endParaRPr lang="en-VN"/>
           </a:p>
@@ -4225,7 +4225,7 @@
           </a:lstStyle>
           <a:p>
             <a:fld id="{D2508FC7-06EA-184C-B437-1FD4117B159D}" type="datetime1">
-              <a:t>14/10/25</a:t>
+              <a:t>28/1/26</a:t>
             </a:fld>
             <a:endParaRPr lang="en-VN"/>
           </a:p>
@@ -5731,8 +5731,8 @@
           </a:fontRef>
         </p:style>
       </p:cxnSp>
-      <mc:AlternateContent xmlns:mc="http://schemas.openxmlformats.org/markup-compatibility/2006">
-        <mc:Choice xmlns:a14="http://schemas.microsoft.com/office/drawing/2010/main" Requires="a14">
+      <mc:AlternateContent xmlns:mc="http://schemas.openxmlformats.org/markup-compatibility/2006" xmlns:a14="http://schemas.microsoft.com/office/drawing/2010/main">
+        <mc:Choice Requires="a14">
           <p:sp>
             <p:nvSpPr>
               <p:cNvPr id="54" name="TextBox 53">
@@ -6041,7 +6041,6 @@
                 <a:endParaRPr lang="en-VN" sz="2800"/>
               </a:p>
               <a:p>
-                <a:pPr/>
                 <a:r>
                   <a:rPr lang="en-VN" sz="2800"/>
                   <a:t>                  </a:t>
@@ -6158,7 +6157,7 @@
             </p:txBody>
           </p:sp>
         </mc:Choice>
-        <mc:Fallback>
+        <mc:Fallback xmlns="">
           <p:sp>
             <p:nvSpPr>
               <p:cNvPr id="54" name="TextBox 53">
@@ -14632,8 +14631,8 @@
           </p:sp>
         </mc:Fallback>
       </mc:AlternateContent>
-      <mc:AlternateContent xmlns:mc="http://schemas.openxmlformats.org/markup-compatibility/2006">
-        <mc:Choice xmlns:a14="http://schemas.microsoft.com/office/drawing/2010/main" Requires="a14">
+      <mc:AlternateContent xmlns:mc="http://schemas.openxmlformats.org/markup-compatibility/2006" xmlns:a14="http://schemas.microsoft.com/office/drawing/2010/main">
+        <mc:Choice Requires="a14">
           <p:sp>
             <p:nvSpPr>
               <p:cNvPr id="32" name="Rectangle 31">
@@ -14826,7 +14825,7 @@
             </p:txBody>
           </p:sp>
         </mc:Choice>
-        <mc:Fallback>
+        <mc:Fallback xmlns="">
           <p:sp>
             <p:nvSpPr>
               <p:cNvPr id="32" name="Rectangle 31">
@@ -14878,8 +14877,8 @@
           </p:sp>
         </mc:Fallback>
       </mc:AlternateContent>
-      <mc:AlternateContent xmlns:mc="http://schemas.openxmlformats.org/markup-compatibility/2006">
-        <mc:Choice xmlns:a14="http://schemas.microsoft.com/office/drawing/2010/main" Requires="a14">
+      <mc:AlternateContent xmlns:mc="http://schemas.openxmlformats.org/markup-compatibility/2006" xmlns:a14="http://schemas.microsoft.com/office/drawing/2010/main">
+        <mc:Choice Requires="a14">
           <p:sp>
             <p:nvSpPr>
               <p:cNvPr id="33" name="Rectangle 32">
@@ -15058,7 +15057,7 @@
             </p:txBody>
           </p:sp>
         </mc:Choice>
-        <mc:Fallback>
+        <mc:Fallback xmlns="">
           <p:sp>
             <p:nvSpPr>
               <p:cNvPr id="33" name="Rectangle 32">
@@ -16713,7 +16712,6 @@
                 <a:solidFill>
                   <a:schemeClr val="tx1"/>
                 </a:solidFill>
-                <a:latin typeface="Times New Roman" pitchFamily="18" charset="0"/>
                 <a:cs typeface="Times New Roman" pitchFamily="18" charset="0"/>
               </a:rPr>
               <a:t>Employee</a:t>
@@ -16774,7 +16772,6 @@
                 <a:solidFill>
                   <a:schemeClr val="tx1"/>
                 </a:solidFill>
-                <a:latin typeface="Times New Roman" pitchFamily="18" charset="0"/>
                 <a:cs typeface="Times New Roman" pitchFamily="18" charset="0"/>
               </a:rPr>
               <a:t>Company</a:t>
@@ -16919,7 +16916,6 @@
                 <a:solidFill>
                   <a:schemeClr val="tx1"/>
                 </a:solidFill>
-                <a:latin typeface="Times New Roman" pitchFamily="18" charset="0"/>
                 <a:cs typeface="Times New Roman" pitchFamily="18" charset="0"/>
               </a:rPr>
               <a:t>Class</a:t>
@@ -16980,7 +16976,6 @@
                 <a:solidFill>
                   <a:schemeClr val="tx1"/>
                 </a:solidFill>
-                <a:latin typeface="Times New Roman" pitchFamily="18" charset="0"/>
                 <a:cs typeface="Times New Roman" pitchFamily="18" charset="0"/>
               </a:rPr>
               <a:t>Student</a:t>
